--- a/wow.pptx
+++ b/wow.pptx
@@ -12,7 +12,11 @@
     <p:sldId id="259" r:id="rId6"/>
     <p:sldId id="262" r:id="rId7"/>
     <p:sldId id="260" r:id="rId8"/>
-    <p:sldId id="263" r:id="rId9"/>
+    <p:sldId id="264" r:id="rId9"/>
+    <p:sldId id="265" r:id="rId10"/>
+    <p:sldId id="266" r:id="rId11"/>
+    <p:sldId id="267" r:id="rId12"/>
+    <p:sldId id="263" r:id="rId13"/>
   </p:sldIdLst>
   <p:sldSz cx="12192000" cy="6858000"/>
   <p:notesSz cx="6858000" cy="9144000"/>
@@ -111,6 +115,11 @@
       </a:defRPr>
     </a:lvl9pPr>
   </p:defaultTextStyle>
+  <p:extLst>
+    <p:ext uri="{EFAFB233-063F-42B5-8137-9DF3F51BA10A}">
+      <p15:sldGuideLst xmlns:p15="http://schemas.microsoft.com/office/powerpoint/2012/main"/>
+    </p:ext>
+  </p:extLst>
 </p:presentation>
 </file>
 
@@ -158,7 +167,7 @@
           </a:lstStyle>
           <a:p>
             <a:r>
-              <a:rPr lang="hu-HU" smtClean="0"/>
+              <a:rPr lang="hu-HU"/>
               <a:t>Mintacím szerkesztése</a:t>
             </a:r>
             <a:endParaRPr lang="en-US" dirty="0"/>
@@ -275,7 +284,7 @@
           </a:lstStyle>
           <a:p>
             <a:r>
-              <a:rPr lang="hu-HU" smtClean="0"/>
+              <a:rPr lang="hu-HU"/>
               <a:t>Kattintson ide az alcím mintájának szerkesztéséhez</a:t>
             </a:r>
             <a:endParaRPr lang="en-US" dirty="0"/>
@@ -299,7 +308,7 @@
           <a:p>
             <a:fld id="{7C63A436-142B-4120-80DC-3C2141838362}" type="datetimeFigureOut">
               <a:rPr lang="hu-HU" smtClean="0"/>
-              <a:t>2022.09.02</a:t>
+              <a:t>2022.09.30</a:t>
             </a:fld>
             <a:endParaRPr lang="hu-HU"/>
           </a:p>
@@ -434,7 +443,7 @@
           </a:lstStyle>
           <a:p>
             <a:r>
-              <a:rPr lang="hu-HU" smtClean="0"/>
+              <a:rPr lang="hu-HU"/>
               <a:t>Mintacím szerkesztése</a:t>
             </a:r>
             <a:endParaRPr lang="en-US" dirty="0"/>
@@ -508,7 +517,7 @@
           </a:lstStyle>
           <a:p>
             <a:r>
-              <a:rPr lang="hu-HU" smtClean="0"/>
+              <a:rPr lang="hu-HU"/>
               <a:t>Kép beszúrásához kattintson az ikonra</a:t>
             </a:r>
             <a:endParaRPr lang="en-US" dirty="0"/>
@@ -574,7 +583,7 @@
           <a:p>
             <a:pPr lvl="0"/>
             <a:r>
-              <a:rPr lang="hu-HU" smtClean="0"/>
+              <a:rPr lang="hu-HU"/>
               <a:t>Mintaszöveg szerkesztése</a:t>
             </a:r>
           </a:p>
@@ -597,7 +606,7 @@
           <a:p>
             <a:fld id="{7C63A436-142B-4120-80DC-3C2141838362}" type="datetimeFigureOut">
               <a:rPr lang="hu-HU" smtClean="0"/>
-              <a:t>2022.09.02</a:t>
+              <a:t>2022.09.30</a:t>
             </a:fld>
             <a:endParaRPr lang="hu-HU"/>
           </a:p>
@@ -700,7 +709,7 @@
           </a:lstStyle>
           <a:p>
             <a:r>
-              <a:rPr lang="hu-HU" smtClean="0"/>
+              <a:rPr lang="hu-HU"/>
               <a:t>Mintacím szerkesztése</a:t>
             </a:r>
             <a:endParaRPr lang="en-US" dirty="0"/>
@@ -766,7 +775,7 @@
           <a:p>
             <a:pPr lvl="0"/>
             <a:r>
-              <a:rPr lang="hu-HU" smtClean="0"/>
+              <a:rPr lang="hu-HU"/>
               <a:t>Mintaszöveg szerkesztése</a:t>
             </a:r>
           </a:p>
@@ -789,7 +798,7 @@
           <a:p>
             <a:fld id="{7C63A436-142B-4120-80DC-3C2141838362}" type="datetimeFigureOut">
               <a:rPr lang="hu-HU" smtClean="0"/>
-              <a:t>2022.09.02</a:t>
+              <a:t>2022.09.30</a:t>
             </a:fld>
             <a:endParaRPr lang="hu-HU"/>
           </a:p>
@@ -892,7 +901,7 @@
           </a:lstStyle>
           <a:p>
             <a:r>
-              <a:rPr lang="hu-HU" smtClean="0"/>
+              <a:rPr lang="hu-HU"/>
               <a:t>Mintacím szerkesztése</a:t>
             </a:r>
             <a:endParaRPr lang="en-US" dirty="0"/>
@@ -960,7 +969,7 @@
           <a:p>
             <a:pPr lvl="0"/>
             <a:r>
-              <a:rPr lang="hu-HU" smtClean="0"/>
+              <a:rPr lang="hu-HU"/>
               <a:t>Mintaszöveg szerkesztése</a:t>
             </a:r>
           </a:p>
@@ -1027,7 +1036,7 @@
           <a:p>
             <a:pPr lvl="0"/>
             <a:r>
-              <a:rPr lang="hu-HU" smtClean="0"/>
+              <a:rPr lang="hu-HU"/>
               <a:t>Mintaszöveg szerkesztése</a:t>
             </a:r>
           </a:p>
@@ -1050,7 +1059,7 @@
           <a:p>
             <a:fld id="{7C63A436-142B-4120-80DC-3C2141838362}" type="datetimeFigureOut">
               <a:rPr lang="hu-HU" smtClean="0"/>
-              <a:t>2022.09.02</a:t>
+              <a:t>2022.09.30</a:t>
             </a:fld>
             <a:endParaRPr lang="hu-HU"/>
           </a:p>
@@ -1385,7 +1394,7 @@
           </a:lstStyle>
           <a:p>
             <a:r>
-              <a:rPr lang="hu-HU" smtClean="0"/>
+              <a:rPr lang="hu-HU"/>
               <a:t>Mintacím szerkesztése</a:t>
             </a:r>
             <a:endParaRPr lang="en-US" dirty="0"/>
@@ -1451,7 +1460,7 @@
           <a:p>
             <a:pPr lvl="0"/>
             <a:r>
-              <a:rPr lang="hu-HU" smtClean="0"/>
+              <a:rPr lang="hu-HU"/>
               <a:t>Mintaszöveg szerkesztése</a:t>
             </a:r>
           </a:p>
@@ -1474,7 +1483,7 @@
           <a:p>
             <a:fld id="{7C63A436-142B-4120-80DC-3C2141838362}" type="datetimeFigureOut">
               <a:rPr lang="hu-HU" smtClean="0"/>
-              <a:t>2022.09.02</a:t>
+              <a:t>2022.09.30</a:t>
             </a:fld>
             <a:endParaRPr lang="hu-HU"/>
           </a:p>
@@ -1573,7 +1582,7 @@
           <a:lstStyle/>
           <a:p>
             <a:r>
-              <a:rPr lang="hu-HU" smtClean="0"/>
+              <a:rPr lang="hu-HU"/>
               <a:t>Mintacím szerkesztése</a:t>
             </a:r>
             <a:endParaRPr lang="en-US" dirty="0"/>
@@ -1645,7 +1654,7 @@
           <a:p>
             <a:pPr lvl="0"/>
             <a:r>
-              <a:rPr lang="hu-HU" smtClean="0"/>
+              <a:rPr lang="hu-HU"/>
               <a:t>Mintaszöveg szerkesztése</a:t>
             </a:r>
           </a:p>
@@ -1712,7 +1721,7 @@
           <a:p>
             <a:pPr lvl="0"/>
             <a:r>
-              <a:rPr lang="hu-HU" smtClean="0"/>
+              <a:rPr lang="hu-HU"/>
               <a:t>Mintaszöveg szerkesztése</a:t>
             </a:r>
           </a:p>
@@ -1783,7 +1792,7 @@
           <a:p>
             <a:pPr lvl="0"/>
             <a:r>
-              <a:rPr lang="hu-HU" smtClean="0"/>
+              <a:rPr lang="hu-HU"/>
               <a:t>Mintaszöveg szerkesztése</a:t>
             </a:r>
           </a:p>
@@ -1850,7 +1859,7 @@
           <a:p>
             <a:pPr lvl="0"/>
             <a:r>
-              <a:rPr lang="hu-HU" smtClean="0"/>
+              <a:rPr lang="hu-HU"/>
               <a:t>Mintaszöveg szerkesztése</a:t>
             </a:r>
           </a:p>
@@ -1921,7 +1930,7 @@
           <a:p>
             <a:pPr lvl="0"/>
             <a:r>
-              <a:rPr lang="hu-HU" smtClean="0"/>
+              <a:rPr lang="hu-HU"/>
               <a:t>Mintaszöveg szerkesztése</a:t>
             </a:r>
           </a:p>
@@ -1988,7 +1997,7 @@
           <a:p>
             <a:pPr lvl="0"/>
             <a:r>
-              <a:rPr lang="hu-HU" smtClean="0"/>
+              <a:rPr lang="hu-HU"/>
               <a:t>Mintaszöveg szerkesztése</a:t>
             </a:r>
           </a:p>
@@ -2011,7 +2020,7 @@
           <a:p>
             <a:fld id="{7C63A436-142B-4120-80DC-3C2141838362}" type="datetimeFigureOut">
               <a:rPr lang="hu-HU" smtClean="0"/>
-              <a:t>2022.09.02</a:t>
+              <a:t>2022.09.30</a:t>
             </a:fld>
             <a:endParaRPr lang="hu-HU"/>
           </a:p>
@@ -2200,7 +2209,7 @@
           <a:lstStyle/>
           <a:p>
             <a:r>
-              <a:rPr lang="hu-HU" smtClean="0"/>
+              <a:rPr lang="hu-HU"/>
               <a:t>Mintacím szerkesztése</a:t>
             </a:r>
             <a:endParaRPr lang="en-US" dirty="0"/>
@@ -2272,7 +2281,7 @@
           <a:p>
             <a:pPr lvl="0"/>
             <a:r>
-              <a:rPr lang="hu-HU" smtClean="0"/>
+              <a:rPr lang="hu-HU"/>
               <a:t>Mintaszöveg szerkesztése</a:t>
             </a:r>
           </a:p>
@@ -2350,7 +2359,7 @@
           </a:lstStyle>
           <a:p>
             <a:r>
-              <a:rPr lang="hu-HU" smtClean="0"/>
+              <a:rPr lang="hu-HU"/>
               <a:t>Kép beszúrásához kattintson az ikonra</a:t>
             </a:r>
             <a:endParaRPr lang="en-US" dirty="0"/>
@@ -2418,7 +2427,7 @@
           <a:p>
             <a:pPr lvl="0"/>
             <a:r>
-              <a:rPr lang="hu-HU" smtClean="0"/>
+              <a:rPr lang="hu-HU"/>
               <a:t>Mintaszöveg szerkesztése</a:t>
             </a:r>
           </a:p>
@@ -2489,7 +2498,7 @@
           <a:p>
             <a:pPr lvl="0"/>
             <a:r>
-              <a:rPr lang="hu-HU" smtClean="0"/>
+              <a:rPr lang="hu-HU"/>
               <a:t>Mintaszöveg szerkesztése</a:t>
             </a:r>
           </a:p>
@@ -2567,7 +2576,7 @@
           </a:lstStyle>
           <a:p>
             <a:r>
-              <a:rPr lang="hu-HU" smtClean="0"/>
+              <a:rPr lang="hu-HU"/>
               <a:t>Kép beszúrásához kattintson az ikonra</a:t>
             </a:r>
             <a:endParaRPr lang="en-US" dirty="0"/>
@@ -2635,7 +2644,7 @@
           <a:p>
             <a:pPr lvl="0"/>
             <a:r>
-              <a:rPr lang="hu-HU" smtClean="0"/>
+              <a:rPr lang="hu-HU"/>
               <a:t>Mintaszöveg szerkesztése</a:t>
             </a:r>
           </a:p>
@@ -2706,7 +2715,7 @@
           <a:p>
             <a:pPr lvl="0"/>
             <a:r>
-              <a:rPr lang="hu-HU" smtClean="0"/>
+              <a:rPr lang="hu-HU"/>
               <a:t>Mintaszöveg szerkesztése</a:t>
             </a:r>
           </a:p>
@@ -2784,7 +2793,7 @@
           </a:lstStyle>
           <a:p>
             <a:r>
-              <a:rPr lang="hu-HU" smtClean="0"/>
+              <a:rPr lang="hu-HU"/>
               <a:t>Kép beszúrásához kattintson az ikonra</a:t>
             </a:r>
             <a:endParaRPr lang="en-US" dirty="0"/>
@@ -2852,7 +2861,7 @@
           <a:p>
             <a:pPr lvl="0"/>
             <a:r>
-              <a:rPr lang="hu-HU" smtClean="0"/>
+              <a:rPr lang="hu-HU"/>
               <a:t>Mintaszöveg szerkesztése</a:t>
             </a:r>
           </a:p>
@@ -2875,7 +2884,7 @@
           <a:p>
             <a:fld id="{7C63A436-142B-4120-80DC-3C2141838362}" type="datetimeFigureOut">
               <a:rPr lang="hu-HU" smtClean="0"/>
-              <a:t>2022.09.02</a:t>
+              <a:t>2022.09.30</a:t>
             </a:fld>
             <a:endParaRPr lang="hu-HU"/>
           </a:p>
@@ -2969,7 +2978,7 @@
           <a:lstStyle/>
           <a:p>
             <a:r>
-              <a:rPr lang="hu-HU" smtClean="0"/>
+              <a:rPr lang="hu-HU"/>
               <a:t>Mintacím szerkesztése</a:t>
             </a:r>
             <a:endParaRPr lang="en-US" dirty="0"/>
@@ -2993,35 +3002,35 @@
           <a:p>
             <a:pPr lvl="0"/>
             <a:r>
-              <a:rPr lang="hu-HU" smtClean="0"/>
+              <a:rPr lang="hu-HU"/>
               <a:t>Mintaszöveg szerkesztése</a:t>
             </a:r>
           </a:p>
           <a:p>
             <a:pPr lvl="1"/>
             <a:r>
-              <a:rPr lang="hu-HU" smtClean="0"/>
+              <a:rPr lang="hu-HU"/>
               <a:t>Második szint</a:t>
             </a:r>
           </a:p>
           <a:p>
             <a:pPr lvl="2"/>
             <a:r>
-              <a:rPr lang="hu-HU" smtClean="0"/>
+              <a:rPr lang="hu-HU"/>
               <a:t>Harmadik szint</a:t>
             </a:r>
           </a:p>
           <a:p>
             <a:pPr lvl="3"/>
             <a:r>
-              <a:rPr lang="hu-HU" smtClean="0"/>
+              <a:rPr lang="hu-HU"/>
               <a:t>Negyedik szint</a:t>
             </a:r>
           </a:p>
           <a:p>
             <a:pPr lvl="4"/>
             <a:r>
-              <a:rPr lang="hu-HU" smtClean="0"/>
+              <a:rPr lang="hu-HU"/>
               <a:t>Ötödik szint</a:t>
             </a:r>
             <a:endParaRPr lang="en-US" dirty="0"/>
@@ -3045,7 +3054,7 @@
           <a:p>
             <a:fld id="{7C63A436-142B-4120-80DC-3C2141838362}" type="datetimeFigureOut">
               <a:rPr lang="hu-HU" smtClean="0"/>
-              <a:t>2022.09.02</a:t>
+              <a:t>2022.09.30</a:t>
             </a:fld>
             <a:endParaRPr lang="hu-HU"/>
           </a:p>
@@ -3148,7 +3157,7 @@
           </a:lstStyle>
           <a:p>
             <a:r>
-              <a:rPr lang="hu-HU" smtClean="0"/>
+              <a:rPr lang="hu-HU"/>
               <a:t>Mintacím szerkesztése</a:t>
             </a:r>
             <a:endParaRPr lang="en-US" dirty="0"/>
@@ -3177,35 +3186,35 @@
           <a:p>
             <a:pPr lvl="0"/>
             <a:r>
-              <a:rPr lang="hu-HU" smtClean="0"/>
+              <a:rPr lang="hu-HU"/>
               <a:t>Mintaszöveg szerkesztése</a:t>
             </a:r>
           </a:p>
           <a:p>
             <a:pPr lvl="1"/>
             <a:r>
-              <a:rPr lang="hu-HU" smtClean="0"/>
+              <a:rPr lang="hu-HU"/>
               <a:t>Második szint</a:t>
             </a:r>
           </a:p>
           <a:p>
             <a:pPr lvl="2"/>
             <a:r>
-              <a:rPr lang="hu-HU" smtClean="0"/>
+              <a:rPr lang="hu-HU"/>
               <a:t>Harmadik szint</a:t>
             </a:r>
           </a:p>
           <a:p>
             <a:pPr lvl="3"/>
             <a:r>
-              <a:rPr lang="hu-HU" smtClean="0"/>
+              <a:rPr lang="hu-HU"/>
               <a:t>Negyedik szint</a:t>
             </a:r>
           </a:p>
           <a:p>
             <a:pPr lvl="4"/>
             <a:r>
-              <a:rPr lang="hu-HU" smtClean="0"/>
+              <a:rPr lang="hu-HU"/>
               <a:t>Ötödik szint</a:t>
             </a:r>
             <a:endParaRPr lang="en-US" dirty="0"/>
@@ -3229,7 +3238,7 @@
           <a:p>
             <a:fld id="{7C63A436-142B-4120-80DC-3C2141838362}" type="datetimeFigureOut">
               <a:rPr lang="hu-HU" smtClean="0"/>
-              <a:t>2022.09.02</a:t>
+              <a:t>2022.09.30</a:t>
             </a:fld>
             <a:endParaRPr lang="hu-HU"/>
           </a:p>
@@ -3323,7 +3332,7 @@
           <a:lstStyle/>
           <a:p>
             <a:r>
-              <a:rPr lang="hu-HU" smtClean="0"/>
+              <a:rPr lang="hu-HU"/>
               <a:t>Mintacím szerkesztése</a:t>
             </a:r>
             <a:endParaRPr lang="en-US" dirty="0"/>
@@ -3347,35 +3356,35 @@
           <a:p>
             <a:pPr lvl="0"/>
             <a:r>
-              <a:rPr lang="hu-HU" smtClean="0"/>
+              <a:rPr lang="hu-HU"/>
               <a:t>Mintaszöveg szerkesztése</a:t>
             </a:r>
           </a:p>
           <a:p>
             <a:pPr lvl="1"/>
             <a:r>
-              <a:rPr lang="hu-HU" smtClean="0"/>
+              <a:rPr lang="hu-HU"/>
               <a:t>Második szint</a:t>
             </a:r>
           </a:p>
           <a:p>
             <a:pPr lvl="2"/>
             <a:r>
-              <a:rPr lang="hu-HU" smtClean="0"/>
+              <a:rPr lang="hu-HU"/>
               <a:t>Harmadik szint</a:t>
             </a:r>
           </a:p>
           <a:p>
             <a:pPr lvl="3"/>
             <a:r>
-              <a:rPr lang="hu-HU" smtClean="0"/>
+              <a:rPr lang="hu-HU"/>
               <a:t>Negyedik szint</a:t>
             </a:r>
           </a:p>
           <a:p>
             <a:pPr lvl="4"/>
             <a:r>
-              <a:rPr lang="hu-HU" smtClean="0"/>
+              <a:rPr lang="hu-HU"/>
               <a:t>Ötödik szint</a:t>
             </a:r>
             <a:endParaRPr lang="en-US" dirty="0"/>
@@ -3399,7 +3408,7 @@
           <a:p>
             <a:fld id="{7C63A436-142B-4120-80DC-3C2141838362}" type="datetimeFigureOut">
               <a:rPr lang="hu-HU" smtClean="0"/>
-              <a:t>2022.09.02</a:t>
+              <a:t>2022.09.30</a:t>
             </a:fld>
             <a:endParaRPr lang="hu-HU"/>
           </a:p>
@@ -3502,7 +3511,7 @@
           </a:lstStyle>
           <a:p>
             <a:r>
-              <a:rPr lang="hu-HU" smtClean="0"/>
+              <a:rPr lang="hu-HU"/>
               <a:t>Mintacím szerkesztése</a:t>
             </a:r>
             <a:endParaRPr lang="en-US" dirty="0"/>
@@ -3620,7 +3629,7 @@
           <a:p>
             <a:pPr lvl="0"/>
             <a:r>
-              <a:rPr lang="hu-HU" smtClean="0"/>
+              <a:rPr lang="hu-HU"/>
               <a:t>Mintaszöveg szerkesztése</a:t>
             </a:r>
           </a:p>
@@ -3643,7 +3652,7 @@
           <a:p>
             <a:fld id="{7C63A436-142B-4120-80DC-3C2141838362}" type="datetimeFigureOut">
               <a:rPr lang="hu-HU" smtClean="0"/>
-              <a:t>2022.09.02</a:t>
+              <a:t>2022.09.30</a:t>
             </a:fld>
             <a:endParaRPr lang="hu-HU"/>
           </a:p>
@@ -3737,7 +3746,7 @@
           <a:lstStyle/>
           <a:p>
             <a:r>
-              <a:rPr lang="hu-HU" smtClean="0"/>
+              <a:rPr lang="hu-HU"/>
               <a:t>Mintacím szerkesztése</a:t>
             </a:r>
             <a:endParaRPr lang="en-US" dirty="0"/>
@@ -3768,35 +3777,35 @@
           <a:p>
             <a:pPr lvl="0"/>
             <a:r>
-              <a:rPr lang="hu-HU" smtClean="0"/>
+              <a:rPr lang="hu-HU"/>
               <a:t>Mintaszöveg szerkesztése</a:t>
             </a:r>
           </a:p>
           <a:p>
             <a:pPr lvl="1"/>
             <a:r>
-              <a:rPr lang="hu-HU" smtClean="0"/>
+              <a:rPr lang="hu-HU"/>
               <a:t>Második szint</a:t>
             </a:r>
           </a:p>
           <a:p>
             <a:pPr lvl="2"/>
             <a:r>
-              <a:rPr lang="hu-HU" smtClean="0"/>
+              <a:rPr lang="hu-HU"/>
               <a:t>Harmadik szint</a:t>
             </a:r>
           </a:p>
           <a:p>
             <a:pPr lvl="3"/>
             <a:r>
-              <a:rPr lang="hu-HU" smtClean="0"/>
+              <a:rPr lang="hu-HU"/>
               <a:t>Negyedik szint</a:t>
             </a:r>
           </a:p>
           <a:p>
             <a:pPr lvl="4"/>
             <a:r>
-              <a:rPr lang="hu-HU" smtClean="0"/>
+              <a:rPr lang="hu-HU"/>
               <a:t>Ötödik szint</a:t>
             </a:r>
             <a:endParaRPr lang="en-US" dirty="0"/>
@@ -3827,35 +3836,35 @@
           <a:p>
             <a:pPr lvl="0"/>
             <a:r>
-              <a:rPr lang="hu-HU" smtClean="0"/>
+              <a:rPr lang="hu-HU"/>
               <a:t>Mintaszöveg szerkesztése</a:t>
             </a:r>
           </a:p>
           <a:p>
             <a:pPr lvl="1"/>
             <a:r>
-              <a:rPr lang="hu-HU" smtClean="0"/>
+              <a:rPr lang="hu-HU"/>
               <a:t>Második szint</a:t>
             </a:r>
           </a:p>
           <a:p>
             <a:pPr lvl="2"/>
             <a:r>
-              <a:rPr lang="hu-HU" smtClean="0"/>
+              <a:rPr lang="hu-HU"/>
               <a:t>Harmadik szint</a:t>
             </a:r>
           </a:p>
           <a:p>
             <a:pPr lvl="3"/>
             <a:r>
-              <a:rPr lang="hu-HU" smtClean="0"/>
+              <a:rPr lang="hu-HU"/>
               <a:t>Negyedik szint</a:t>
             </a:r>
           </a:p>
           <a:p>
             <a:pPr lvl="4"/>
             <a:r>
-              <a:rPr lang="hu-HU" smtClean="0"/>
+              <a:rPr lang="hu-HU"/>
               <a:t>Ötödik szint</a:t>
             </a:r>
             <a:endParaRPr lang="en-US" dirty="0"/>
@@ -3879,7 +3888,7 @@
           <a:p>
             <a:fld id="{7C63A436-142B-4120-80DC-3C2141838362}" type="datetimeFigureOut">
               <a:rPr lang="hu-HU" smtClean="0"/>
-              <a:t>2022.09.02</a:t>
+              <a:t>2022.09.30</a:t>
             </a:fld>
             <a:endParaRPr lang="hu-HU"/>
           </a:p>
@@ -4037,7 +4046,7 @@
           </a:lstStyle>
           <a:p>
             <a:r>
-              <a:rPr lang="hu-HU" smtClean="0"/>
+              <a:rPr lang="hu-HU"/>
               <a:t>Mintacím szerkesztése</a:t>
             </a:r>
             <a:endParaRPr lang="en-US" dirty="0"/>
@@ -4105,7 +4114,7 @@
           <a:p>
             <a:pPr lvl="0"/>
             <a:r>
-              <a:rPr lang="hu-HU" smtClean="0"/>
+              <a:rPr lang="hu-HU"/>
               <a:t>Mintaszöveg szerkesztése</a:t>
             </a:r>
           </a:p>
@@ -4151,35 +4160,35 @@
           <a:p>
             <a:pPr lvl="0"/>
             <a:r>
-              <a:rPr lang="hu-HU" smtClean="0"/>
+              <a:rPr lang="hu-HU"/>
               <a:t>Mintaszöveg szerkesztése</a:t>
             </a:r>
           </a:p>
           <a:p>
             <a:pPr lvl="1"/>
             <a:r>
-              <a:rPr lang="hu-HU" smtClean="0"/>
+              <a:rPr lang="hu-HU"/>
               <a:t>Második szint</a:t>
             </a:r>
           </a:p>
           <a:p>
             <a:pPr lvl="2"/>
             <a:r>
-              <a:rPr lang="hu-HU" smtClean="0"/>
+              <a:rPr lang="hu-HU"/>
               <a:t>Harmadik szint</a:t>
             </a:r>
           </a:p>
           <a:p>
             <a:pPr lvl="3"/>
             <a:r>
-              <a:rPr lang="hu-HU" smtClean="0"/>
+              <a:rPr lang="hu-HU"/>
               <a:t>Negyedik szint</a:t>
             </a:r>
           </a:p>
           <a:p>
             <a:pPr lvl="4"/>
             <a:r>
-              <a:rPr lang="hu-HU" smtClean="0"/>
+              <a:rPr lang="hu-HU"/>
               <a:t>Ötödik szint</a:t>
             </a:r>
             <a:endParaRPr lang="en-US" dirty="0"/>
@@ -4247,7 +4256,7 @@
           <a:p>
             <a:pPr lvl="0"/>
             <a:r>
-              <a:rPr lang="hu-HU" smtClean="0"/>
+              <a:rPr lang="hu-HU"/>
               <a:t>Mintaszöveg szerkesztése</a:t>
             </a:r>
           </a:p>
@@ -4293,35 +4302,35 @@
           <a:p>
             <a:pPr lvl="0"/>
             <a:r>
-              <a:rPr lang="hu-HU" smtClean="0"/>
+              <a:rPr lang="hu-HU"/>
               <a:t>Mintaszöveg szerkesztése</a:t>
             </a:r>
           </a:p>
           <a:p>
             <a:pPr lvl="1"/>
             <a:r>
-              <a:rPr lang="hu-HU" smtClean="0"/>
+              <a:rPr lang="hu-HU"/>
               <a:t>Második szint</a:t>
             </a:r>
           </a:p>
           <a:p>
             <a:pPr lvl="2"/>
             <a:r>
-              <a:rPr lang="hu-HU" smtClean="0"/>
+              <a:rPr lang="hu-HU"/>
               <a:t>Harmadik szint</a:t>
             </a:r>
           </a:p>
           <a:p>
             <a:pPr lvl="3"/>
             <a:r>
-              <a:rPr lang="hu-HU" smtClean="0"/>
+              <a:rPr lang="hu-HU"/>
               <a:t>Negyedik szint</a:t>
             </a:r>
           </a:p>
           <a:p>
             <a:pPr lvl="4"/>
             <a:r>
-              <a:rPr lang="hu-HU" smtClean="0"/>
+              <a:rPr lang="hu-HU"/>
               <a:t>Ötödik szint</a:t>
             </a:r>
             <a:endParaRPr lang="en-US" dirty="0"/>
@@ -4345,7 +4354,7 @@
           <a:p>
             <a:fld id="{7C63A436-142B-4120-80DC-3C2141838362}" type="datetimeFigureOut">
               <a:rPr lang="hu-HU" smtClean="0"/>
-              <a:t>2022.09.02</a:t>
+              <a:t>2022.09.30</a:t>
             </a:fld>
             <a:endParaRPr lang="hu-HU"/>
           </a:p>
@@ -4439,7 +4448,7 @@
           <a:lstStyle/>
           <a:p>
             <a:r>
-              <a:rPr lang="hu-HU" smtClean="0"/>
+              <a:rPr lang="hu-HU"/>
               <a:t>Mintacím szerkesztése</a:t>
             </a:r>
             <a:endParaRPr lang="en-US" dirty="0"/>
@@ -4463,7 +4472,7 @@
           <a:p>
             <a:fld id="{7C63A436-142B-4120-80DC-3C2141838362}" type="datetimeFigureOut">
               <a:rPr lang="hu-HU" smtClean="0"/>
-              <a:t>2022.09.02</a:t>
+              <a:t>2022.09.30</a:t>
             </a:fld>
             <a:endParaRPr lang="hu-HU"/>
           </a:p>
@@ -4558,7 +4567,7 @@
           <a:p>
             <a:fld id="{7C63A436-142B-4120-80DC-3C2141838362}" type="datetimeFigureOut">
               <a:rPr lang="hu-HU" smtClean="0"/>
-              <a:t>2022.09.02</a:t>
+              <a:t>2022.09.30</a:t>
             </a:fld>
             <a:endParaRPr lang="hu-HU"/>
           </a:p>
@@ -4663,7 +4672,7 @@
           </a:lstStyle>
           <a:p>
             <a:r>
-              <a:rPr lang="hu-HU" smtClean="0"/>
+              <a:rPr lang="hu-HU"/>
               <a:t>Mintacím szerkesztése</a:t>
             </a:r>
             <a:endParaRPr lang="en-US" dirty="0"/>
@@ -4694,35 +4703,35 @@
           <a:p>
             <a:pPr lvl="0"/>
             <a:r>
-              <a:rPr lang="hu-HU" smtClean="0"/>
+              <a:rPr lang="hu-HU"/>
               <a:t>Mintaszöveg szerkesztése</a:t>
             </a:r>
           </a:p>
           <a:p>
             <a:pPr lvl="1"/>
             <a:r>
-              <a:rPr lang="hu-HU" smtClean="0"/>
+              <a:rPr lang="hu-HU"/>
               <a:t>Második szint</a:t>
             </a:r>
           </a:p>
           <a:p>
             <a:pPr lvl="2"/>
             <a:r>
-              <a:rPr lang="hu-HU" smtClean="0"/>
+              <a:rPr lang="hu-HU"/>
               <a:t>Harmadik szint</a:t>
             </a:r>
           </a:p>
           <a:p>
             <a:pPr lvl="3"/>
             <a:r>
-              <a:rPr lang="hu-HU" smtClean="0"/>
+              <a:rPr lang="hu-HU"/>
               <a:t>Negyedik szint</a:t>
             </a:r>
           </a:p>
           <a:p>
             <a:pPr lvl="4"/>
             <a:r>
-              <a:rPr lang="hu-HU" smtClean="0"/>
+              <a:rPr lang="hu-HU"/>
               <a:t>Ötödik szint</a:t>
             </a:r>
             <a:endParaRPr lang="en-US" dirty="0"/>
@@ -4790,7 +4799,7 @@
           <a:p>
             <a:pPr lvl="0"/>
             <a:r>
-              <a:rPr lang="hu-HU" smtClean="0"/>
+              <a:rPr lang="hu-HU"/>
               <a:t>Mintaszöveg szerkesztése</a:t>
             </a:r>
           </a:p>
@@ -4813,7 +4822,7 @@
           <a:p>
             <a:fld id="{7C63A436-142B-4120-80DC-3C2141838362}" type="datetimeFigureOut">
               <a:rPr lang="hu-HU" smtClean="0"/>
-              <a:t>2022.09.02</a:t>
+              <a:t>2022.09.30</a:t>
             </a:fld>
             <a:endParaRPr lang="hu-HU"/>
           </a:p>
@@ -4948,7 +4957,7 @@
           </a:lstStyle>
           <a:p>
             <a:r>
-              <a:rPr lang="hu-HU" smtClean="0"/>
+              <a:rPr lang="hu-HU"/>
               <a:t>Mintacím szerkesztése</a:t>
             </a:r>
             <a:endParaRPr lang="en-US" dirty="0"/>
@@ -5022,7 +5031,7 @@
           </a:lstStyle>
           <a:p>
             <a:r>
-              <a:rPr lang="hu-HU" smtClean="0"/>
+              <a:rPr lang="hu-HU"/>
               <a:t>Kép beszúrásához kattintson az ikonra</a:t>
             </a:r>
             <a:endParaRPr lang="en-US" dirty="0"/>
@@ -5090,7 +5099,7 @@
           <a:p>
             <a:pPr lvl="0"/>
             <a:r>
-              <a:rPr lang="hu-HU" smtClean="0"/>
+              <a:rPr lang="hu-HU"/>
               <a:t>Mintaszöveg szerkesztése</a:t>
             </a:r>
           </a:p>
@@ -5113,7 +5122,7 @@
           <a:p>
             <a:fld id="{7C63A436-142B-4120-80DC-3C2141838362}" type="datetimeFigureOut">
               <a:rPr lang="hu-HU" smtClean="0"/>
-              <a:t>2022.09.02</a:t>
+              <a:t>2022.09.30</a:t>
             </a:fld>
             <a:endParaRPr lang="hu-HU"/>
           </a:p>
@@ -5229,7 +5238,7 @@
           <a:lstStyle/>
           <a:p>
             <a:r>
-              <a:rPr lang="hu-HU" smtClean="0"/>
+              <a:rPr lang="hu-HU"/>
               <a:t>Mintacím szerkesztése</a:t>
             </a:r>
             <a:endParaRPr lang="en-US" dirty="0"/>
@@ -5270,35 +5279,35 @@
           <a:p>
             <a:pPr lvl="0"/>
             <a:r>
-              <a:rPr lang="hu-HU" smtClean="0"/>
+              <a:rPr lang="hu-HU"/>
               <a:t>Mintaszöveg szerkesztése</a:t>
             </a:r>
           </a:p>
           <a:p>
             <a:pPr lvl="1"/>
             <a:r>
-              <a:rPr lang="hu-HU" smtClean="0"/>
+              <a:rPr lang="hu-HU"/>
               <a:t>Második szint</a:t>
             </a:r>
           </a:p>
           <a:p>
             <a:pPr lvl="2"/>
             <a:r>
-              <a:rPr lang="hu-HU" smtClean="0"/>
+              <a:rPr lang="hu-HU"/>
               <a:t>Harmadik szint</a:t>
             </a:r>
           </a:p>
           <a:p>
             <a:pPr lvl="3"/>
             <a:r>
-              <a:rPr lang="hu-HU" smtClean="0"/>
+              <a:rPr lang="hu-HU"/>
               <a:t>Negyedik szint</a:t>
             </a:r>
           </a:p>
           <a:p>
             <a:pPr lvl="4"/>
             <a:r>
-              <a:rPr lang="hu-HU" smtClean="0"/>
+              <a:rPr lang="hu-HU"/>
               <a:t>Ötödik szint</a:t>
             </a:r>
             <a:endParaRPr lang="en-US" dirty="0"/>
@@ -5347,7 +5356,7 @@
           <a:p>
             <a:fld id="{7C63A436-142B-4120-80DC-3C2141838362}" type="datetimeFigureOut">
               <a:rPr lang="hu-HU" smtClean="0"/>
-              <a:t>2022.09.02</a:t>
+              <a:t>2022.09.30</a:t>
             </a:fld>
             <a:endParaRPr lang="hu-HU"/>
           </a:p>
@@ -6044,14 +6053,14 @@
           <a:lstStyle/>
           <a:p>
             <a:r>
-              <a:rPr lang="hu-HU" sz="8000" i="1" dirty="0" smtClean="0">
+              <a:rPr lang="hu-HU" sz="8000" i="1" dirty="0">
                 <a:latin typeface="Times New Roman" panose="02020603050405020304" pitchFamily="18" charset="0"/>
                 <a:cs typeface="Times New Roman" panose="02020603050405020304" pitchFamily="18" charset="0"/>
               </a:rPr>
               <a:t>World of </a:t>
             </a:r>
             <a:r>
-              <a:rPr lang="hu-HU" sz="8000" i="1" dirty="0" err="1" smtClean="0">
+              <a:rPr lang="hu-HU" sz="8000" i="1" dirty="0" err="1">
                 <a:latin typeface="Times New Roman" panose="02020603050405020304" pitchFamily="18" charset="0"/>
                 <a:cs typeface="Times New Roman" panose="02020603050405020304" pitchFamily="18" charset="0"/>
               </a:rPr>
@@ -6079,7 +6088,7 @@
           <a:bodyPr/>
           <a:lstStyle/>
           <a:p>
-            <a:endParaRPr lang="hu-HU"/>
+            <a:endParaRPr lang="hu-HU" dirty="0"/>
           </a:p>
         </p:txBody>
       </p:sp>
@@ -6093,13 +6102,285 @@
   <p:clrMapOvr>
     <a:masterClrMapping/>
   </p:clrMapOvr>
-  <p:timing>
-    <p:tnLst>
-      <p:par>
-        <p:cTn id="1" dur="indefinite" restart="never" nodeType="tmRoot"/>
-      </p:par>
-    </p:tnLst>
-  </p:timing>
+</p:sld>
+</file>
+
+<file path=ppt/slides/slide10.xml><?xml version="1.0" encoding="utf-8"?>
+<p:sld xmlns:a="http://schemas.openxmlformats.org/drawingml/2006/main" xmlns:r="http://schemas.openxmlformats.org/officeDocument/2006/relationships" xmlns:p="http://schemas.openxmlformats.org/presentationml/2006/main">
+  <p:cSld>
+    <p:spTree>
+      <p:nvGrpSpPr>
+        <p:cNvPr id="1" name=""/>
+        <p:cNvGrpSpPr/>
+        <p:nvPr/>
+      </p:nvGrpSpPr>
+      <p:grpSpPr>
+        <a:xfrm>
+          <a:off x="0" y="0"/>
+          <a:ext cx="0" cy="0"/>
+          <a:chOff x="0" y="0"/>
+          <a:chExt cx="0" cy="0"/>
+        </a:xfrm>
+      </p:grpSpPr>
+      <p:sp>
+        <p:nvSpPr>
+          <p:cNvPr id="2" name="Cím 1"/>
+          <p:cNvSpPr>
+            <a:spLocks noGrp="1"/>
+          </p:cNvSpPr>
+          <p:nvPr>
+            <p:ph type="title"/>
+          </p:nvPr>
+        </p:nvSpPr>
+        <p:spPr/>
+        <p:txBody>
+          <a:bodyPr>
+            <a:normAutofit/>
+          </a:bodyPr>
+          <a:lstStyle/>
+          <a:p>
+            <a:r>
+              <a:rPr lang="hu-HU" sz="4800" dirty="0"/>
+              <a:t>András része</a:t>
+            </a:r>
+          </a:p>
+        </p:txBody>
+      </p:sp>
+      <p:sp>
+        <p:nvSpPr>
+          <p:cNvPr id="3" name="Tartalom helye 2"/>
+          <p:cNvSpPr>
+            <a:spLocks noGrp="1"/>
+          </p:cNvSpPr>
+          <p:nvPr>
+            <p:ph idx="1"/>
+          </p:nvPr>
+        </p:nvSpPr>
+        <p:spPr/>
+        <p:txBody>
+          <a:bodyPr>
+            <a:normAutofit/>
+          </a:bodyPr>
+          <a:lstStyle/>
+          <a:p>
+            <a:r>
+              <a:rPr lang="hu-HU" sz="3200" dirty="0"/>
+              <a:t>Index, történet oldal</a:t>
+            </a:r>
+          </a:p>
+          <a:p>
+            <a:r>
+              <a:rPr lang="hu-HU" sz="3200" dirty="0" err="1"/>
+              <a:t>Navbar</a:t>
+            </a:r>
+            <a:r>
+              <a:rPr lang="hu-HU" sz="3200" dirty="0"/>
+              <a:t>, </a:t>
+            </a:r>
+            <a:r>
+              <a:rPr lang="hu-HU" sz="3200" dirty="0" err="1"/>
+              <a:t>footer</a:t>
+            </a:r>
+            <a:r>
+              <a:rPr lang="hu-HU" sz="3200" dirty="0"/>
+              <a:t> elkészítése</a:t>
+            </a:r>
+          </a:p>
+          <a:p>
+            <a:r>
+              <a:rPr lang="hu-HU" sz="3200" dirty="0"/>
+              <a:t>Képek kigyűjtése</a:t>
+            </a:r>
+          </a:p>
+          <a:p>
+            <a:endParaRPr lang="hu-HU" sz="3200" dirty="0"/>
+          </a:p>
+        </p:txBody>
+      </p:sp>
+    </p:spTree>
+    <p:extLst>
+      <p:ext uri="{BB962C8B-B14F-4D97-AF65-F5344CB8AC3E}">
+        <p14:creationId xmlns:p14="http://schemas.microsoft.com/office/powerpoint/2010/main" val="3832603602"/>
+      </p:ext>
+    </p:extLst>
+  </p:cSld>
+  <p:clrMapOvr>
+    <a:masterClrMapping/>
+  </p:clrMapOvr>
+</p:sld>
+</file>
+
+<file path=ppt/slides/slide11.xml><?xml version="1.0" encoding="utf-8"?>
+<p:sld xmlns:a="http://schemas.openxmlformats.org/drawingml/2006/main" xmlns:r="http://schemas.openxmlformats.org/officeDocument/2006/relationships" xmlns:p="http://schemas.openxmlformats.org/presentationml/2006/main">
+  <p:cSld>
+    <p:spTree>
+      <p:nvGrpSpPr>
+        <p:cNvPr id="1" name=""/>
+        <p:cNvGrpSpPr/>
+        <p:nvPr/>
+      </p:nvGrpSpPr>
+      <p:grpSpPr>
+        <a:xfrm>
+          <a:off x="0" y="0"/>
+          <a:ext cx="0" cy="0"/>
+          <a:chOff x="0" y="0"/>
+          <a:chExt cx="0" cy="0"/>
+        </a:xfrm>
+      </p:grpSpPr>
+      <p:sp>
+        <p:nvSpPr>
+          <p:cNvPr id="2" name="Cím 1"/>
+          <p:cNvSpPr>
+            <a:spLocks noGrp="1"/>
+          </p:cNvSpPr>
+          <p:nvPr>
+            <p:ph type="title"/>
+          </p:nvPr>
+        </p:nvSpPr>
+        <p:spPr/>
+        <p:txBody>
+          <a:bodyPr>
+            <a:normAutofit/>
+          </a:bodyPr>
+          <a:lstStyle/>
+          <a:p>
+            <a:r>
+              <a:rPr lang="hu-HU" sz="4800" dirty="0" err="1"/>
+              <a:t>Github</a:t>
+            </a:r>
+            <a:r>
+              <a:rPr lang="hu-HU" sz="4800" dirty="0"/>
+              <a:t> project</a:t>
+            </a:r>
+          </a:p>
+        </p:txBody>
+      </p:sp>
+      <p:pic>
+        <p:nvPicPr>
+          <p:cNvPr id="9" name="Tartalom helye 8">
+            <a:extLst>
+              <a:ext uri="{FF2B5EF4-FFF2-40B4-BE49-F238E27FC236}">
+                <a16:creationId xmlns:a16="http://schemas.microsoft.com/office/drawing/2014/main" id="{21DFE16C-9690-4891-B013-662EDC8EEBDD}"/>
+              </a:ext>
+            </a:extLst>
+          </p:cNvPr>
+          <p:cNvPicPr>
+            <a:picLocks noGrp="1" noChangeAspect="1"/>
+          </p:cNvPicPr>
+          <p:nvPr>
+            <p:ph idx="1"/>
+          </p:nvPr>
+        </p:nvPicPr>
+        <p:blipFill>
+          <a:blip r:embed="rId2" cstate="print">
+            <a:extLst>
+              <a:ext uri="{28A0092B-C50C-407E-A947-70E740481C1C}">
+                <a14:useLocalDpi xmlns:a14="http://schemas.microsoft.com/office/drawing/2010/main" val="0"/>
+              </a:ext>
+            </a:extLst>
+          </a:blip>
+          <a:stretch>
+            <a:fillRect/>
+          </a:stretch>
+        </p:blipFill>
+        <p:spPr>
+          <a:xfrm>
+            <a:off x="2362490" y="1860885"/>
+            <a:ext cx="7456371" cy="4660232"/>
+          </a:xfrm>
+        </p:spPr>
+      </p:pic>
+    </p:spTree>
+    <p:extLst>
+      <p:ext uri="{BB962C8B-B14F-4D97-AF65-F5344CB8AC3E}">
+        <p14:creationId xmlns:p14="http://schemas.microsoft.com/office/powerpoint/2010/main" val="63313307"/>
+      </p:ext>
+    </p:extLst>
+  </p:cSld>
+  <p:clrMapOvr>
+    <a:masterClrMapping/>
+  </p:clrMapOvr>
+</p:sld>
+</file>
+
+<file path=ppt/slides/slide12.xml><?xml version="1.0" encoding="utf-8"?>
+<p:sld xmlns:a="http://schemas.openxmlformats.org/drawingml/2006/main" xmlns:r="http://schemas.openxmlformats.org/officeDocument/2006/relationships" xmlns:p="http://schemas.openxmlformats.org/presentationml/2006/main">
+  <p:cSld>
+    <p:spTree>
+      <p:nvGrpSpPr>
+        <p:cNvPr id="1" name=""/>
+        <p:cNvGrpSpPr/>
+        <p:nvPr/>
+      </p:nvGrpSpPr>
+      <p:grpSpPr>
+        <a:xfrm>
+          <a:off x="0" y="0"/>
+          <a:ext cx="0" cy="0"/>
+          <a:chOff x="0" y="0"/>
+          <a:chExt cx="0" cy="0"/>
+        </a:xfrm>
+      </p:grpSpPr>
+      <p:sp>
+        <p:nvSpPr>
+          <p:cNvPr id="2" name="Cím 1"/>
+          <p:cNvSpPr>
+            <a:spLocks noGrp="1"/>
+          </p:cNvSpPr>
+          <p:nvPr>
+            <p:ph type="ctrTitle"/>
+          </p:nvPr>
+        </p:nvSpPr>
+        <p:spPr>
+          <a:xfrm>
+            <a:off x="1283145" y="2828238"/>
+            <a:ext cx="9440034" cy="1828801"/>
+          </a:xfrm>
+        </p:spPr>
+        <p:txBody>
+          <a:bodyPr>
+            <a:noAutofit/>
+          </a:bodyPr>
+          <a:lstStyle/>
+          <a:p>
+            <a:r>
+              <a:rPr lang="hu-HU" sz="8000" i="1" dirty="0">
+                <a:latin typeface="Times New Roman" panose="02020603050405020304" pitchFamily="18" charset="0"/>
+                <a:cs typeface="Times New Roman" panose="02020603050405020304" pitchFamily="18" charset="0"/>
+              </a:rPr>
+              <a:t>Köszönjük a figyelmet!</a:t>
+            </a:r>
+          </a:p>
+        </p:txBody>
+      </p:sp>
+      <p:sp>
+        <p:nvSpPr>
+          <p:cNvPr id="3" name="Alcím 2"/>
+          <p:cNvSpPr>
+            <a:spLocks noGrp="1"/>
+          </p:cNvSpPr>
+          <p:nvPr>
+            <p:ph type="subTitle" idx="1"/>
+          </p:nvPr>
+        </p:nvSpPr>
+        <p:spPr/>
+        <p:txBody>
+          <a:bodyPr/>
+          <a:lstStyle/>
+          <a:p>
+            <a:endParaRPr lang="hu-HU" dirty="0"/>
+          </a:p>
+        </p:txBody>
+      </p:sp>
+    </p:spTree>
+    <p:extLst>
+      <p:ext uri="{BB962C8B-B14F-4D97-AF65-F5344CB8AC3E}">
+        <p14:creationId xmlns:p14="http://schemas.microsoft.com/office/powerpoint/2010/main" val="3486881900"/>
+      </p:ext>
+    </p:extLst>
+  </p:cSld>
+  <p:clrMapOvr>
+    <a:masterClrMapping/>
+  </p:clrMapOvr>
 </p:sld>
 </file>
 
@@ -6138,10 +6419,9 @@
           <a:lstStyle/>
           <a:p>
             <a:r>
-              <a:rPr lang="hu-HU" sz="4800" dirty="0" smtClean="0"/>
+              <a:rPr lang="hu-HU" sz="4800" dirty="0"/>
               <a:t>Miért választottuk?</a:t>
             </a:r>
-            <a:endParaRPr lang="hu-HU" sz="4800" dirty="0"/>
           </a:p>
         </p:txBody>
       </p:sp>
@@ -6163,32 +6443,31 @@
           <a:lstStyle/>
           <a:p>
             <a:r>
-              <a:rPr lang="hu-HU" sz="3600" dirty="0" smtClean="0"/>
+              <a:rPr lang="hu-HU" sz="3600" dirty="0"/>
               <a:t>Közel áll hozzánk</a:t>
             </a:r>
           </a:p>
           <a:p>
             <a:r>
-              <a:rPr lang="hu-HU" sz="3600" dirty="0" smtClean="0"/>
+              <a:rPr lang="hu-HU" sz="3600" dirty="0"/>
               <a:t>Tetszik a benne megjelenő világ</a:t>
             </a:r>
           </a:p>
           <a:p>
             <a:r>
-              <a:rPr lang="hu-HU" sz="3600" dirty="0" smtClean="0"/>
+              <a:rPr lang="hu-HU" sz="3600" dirty="0"/>
               <a:t>Sok információ van róla</a:t>
             </a:r>
-            <a:endParaRPr lang="hu-HU" sz="3600" dirty="0"/>
-          </a:p>
-          <a:p>
-            <a:r>
-              <a:rPr lang="hu-HU" sz="3600" dirty="0" smtClean="0"/>
+          </a:p>
+          <a:p>
+            <a:r>
+              <a:rPr lang="hu-HU" sz="3600" dirty="0"/>
               <a:t>Érdekfeszítő történettel rendelkezik</a:t>
             </a:r>
           </a:p>
           <a:p>
             <a:r>
-              <a:rPr lang="hu-HU" sz="3600" dirty="0" smtClean="0"/>
+              <a:rPr lang="hu-HU" sz="3600" dirty="0"/>
               <a:t>MMORPG, ezért rengeteg benne a lehetőség és nem válik monotonná</a:t>
             </a:r>
           </a:p>
@@ -6207,13 +6486,6 @@
   <p:clrMapOvr>
     <a:masterClrMapping/>
   </p:clrMapOvr>
-  <p:timing>
-    <p:tnLst>
-      <p:par>
-        <p:cTn id="1" dur="indefinite" restart="never" nodeType="tmRoot"/>
-      </p:par>
-    </p:tnLst>
-  </p:timing>
 </p:sld>
 </file>
 
@@ -6252,10 +6524,9 @@
           <a:lstStyle/>
           <a:p>
             <a:r>
-              <a:rPr lang="hu-HU" sz="4800" dirty="0" smtClean="0"/>
+              <a:rPr lang="hu-HU" sz="4800" dirty="0"/>
               <a:t>A megjelenése</a:t>
             </a:r>
-            <a:endParaRPr lang="hu-HU" sz="4800" dirty="0"/>
           </a:p>
         </p:txBody>
       </p:sp>
@@ -6275,31 +6546,27 @@
           <a:lstStyle/>
           <a:p>
             <a:r>
-              <a:rPr lang="hu-HU" dirty="0" smtClean="0"/>
+              <a:rPr lang="hu-HU" dirty="0"/>
               <a:t>2001-ben jelentették be</a:t>
             </a:r>
           </a:p>
           <a:p>
             <a:r>
-              <a:rPr lang="hu-HU" dirty="0" smtClean="0"/>
+              <a:rPr lang="hu-HU" dirty="0"/>
               <a:t>A </a:t>
             </a:r>
             <a:r>
-              <a:rPr lang="hu-HU" dirty="0" err="1" smtClean="0"/>
+              <a:rPr lang="hu-HU" dirty="0" err="1"/>
               <a:t>Warcraft</a:t>
             </a:r>
             <a:r>
               <a:rPr lang="hu-HU" dirty="0"/>
-              <a:t> </a:t>
-            </a:r>
-            <a:r>
-              <a:rPr lang="hu-HU" dirty="0" smtClean="0"/>
-              <a:t>sorozat tizedik évfordulójára adták ki</a:t>
-            </a:r>
-          </a:p>
-          <a:p>
-            <a:r>
-              <a:rPr lang="hu-HU" dirty="0" smtClean="0"/>
+              <a:t> sorozat tizedik évfordulójára adták ki</a:t>
+            </a:r>
+          </a:p>
+          <a:p>
+            <a:r>
+              <a:rPr lang="hu-HU" dirty="0"/>
               <a:t>2004.nov 23-án jelent meg az USA-ban, az EU-ban és számos más államban csak 2005-ben</a:t>
             </a:r>
           </a:p>
@@ -6400,10 +6667,9 @@
                     <a:lstStyle/>
                     <a:p>
                       <a:r>
-                        <a:rPr lang="hu-HU" dirty="0" smtClean="0"/>
+                        <a:rPr lang="hu-HU" dirty="0"/>
                         <a:t>2004.nov.23</a:t>
                       </a:r>
-                      <a:endParaRPr lang="hu-HU" dirty="0"/>
                     </a:p>
                   </a:txBody>
                   <a:tcPr>
@@ -6418,10 +6684,9 @@
                     <a:lstStyle/>
                     <a:p>
                       <a:r>
-                        <a:rPr lang="hu-HU" dirty="0" smtClean="0"/>
+                        <a:rPr lang="hu-HU" dirty="0"/>
                         <a:t>2005.jan. 18</a:t>
                       </a:r>
-                      <a:endParaRPr lang="hu-HU" dirty="0"/>
                     </a:p>
                   </a:txBody>
                   <a:tcPr>
@@ -6436,10 +6701,9 @@
                     <a:lstStyle/>
                     <a:p>
                       <a:r>
-                        <a:rPr lang="hu-HU" dirty="0" smtClean="0"/>
+                        <a:rPr lang="hu-HU" dirty="0"/>
                         <a:t>2005.feb.15</a:t>
                       </a:r>
-                      <a:endParaRPr lang="hu-HU" dirty="0"/>
                     </a:p>
                   </a:txBody>
                   <a:tcPr>
@@ -6454,10 +6718,9 @@
                     <a:lstStyle/>
                     <a:p>
                       <a:r>
-                        <a:rPr lang="hu-HU" dirty="0" smtClean="0"/>
+                        <a:rPr lang="hu-HU" dirty="0"/>
                         <a:t>2005.jún.6</a:t>
                       </a:r>
-                      <a:endParaRPr lang="hu-HU" dirty="0"/>
                     </a:p>
                   </a:txBody>
                   <a:tcPr>
@@ -6472,10 +6735,9 @@
                     <a:lstStyle/>
                     <a:p>
                       <a:r>
-                        <a:rPr lang="hu-HU" dirty="0" smtClean="0"/>
+                        <a:rPr lang="hu-HU" dirty="0"/>
                         <a:t>2005.júl.21</a:t>
                       </a:r>
-                      <a:endParaRPr lang="hu-HU" dirty="0"/>
                     </a:p>
                   </a:txBody>
                   <a:tcPr>
@@ -6490,10 +6752,9 @@
                     <a:lstStyle/>
                     <a:p>
                       <a:r>
-                        <a:rPr lang="hu-HU" dirty="0" smtClean="0"/>
+                        <a:rPr lang="hu-HU" dirty="0"/>
                         <a:t>2005.nov.8</a:t>
                       </a:r>
-                      <a:endParaRPr lang="hu-HU" dirty="0"/>
                     </a:p>
                   </a:txBody>
                   <a:tcPr>
@@ -6508,10 +6769,9 @@
                     <a:lstStyle/>
                     <a:p>
                       <a:r>
-                        <a:rPr lang="hu-HU" dirty="0" smtClean="0"/>
+                        <a:rPr lang="hu-HU" dirty="0"/>
                         <a:t>2006.aug.1</a:t>
                       </a:r>
-                      <a:endParaRPr lang="hu-HU" dirty="0"/>
                     </a:p>
                   </a:txBody>
                   <a:tcPr>
@@ -6526,10 +6786,9 @@
                     <a:lstStyle/>
                     <a:p>
                       <a:r>
-                        <a:rPr lang="hu-HU" dirty="0" smtClean="0"/>
+                        <a:rPr lang="hu-HU" dirty="0"/>
                         <a:t>2008</a:t>
                       </a:r>
-                      <a:endParaRPr lang="hu-HU" dirty="0"/>
                     </a:p>
                   </a:txBody>
                   <a:tcPr>
@@ -6551,7 +6810,7 @@
                     <a:lstStyle/>
                     <a:p>
                       <a:r>
-                        <a:rPr lang="hu-HU" dirty="0" smtClean="0">
+                        <a:rPr lang="hu-HU" dirty="0">
                           <a:solidFill>
                             <a:schemeClr val="tx1"/>
                           </a:solidFill>
@@ -6559,7 +6818,7 @@
                         <a:t>USA,</a:t>
                       </a:r>
                       <a:r>
-                        <a:rPr lang="hu-HU" baseline="0" dirty="0" smtClean="0">
+                        <a:rPr lang="hu-HU" baseline="0" dirty="0">
                           <a:solidFill>
                             <a:schemeClr val="tx1"/>
                           </a:solidFill>
@@ -6569,7 +6828,7 @@
                     </a:p>
                     <a:p>
                       <a:r>
-                        <a:rPr lang="hu-HU" baseline="0" dirty="0" smtClean="0">
+                        <a:rPr lang="hu-HU" baseline="0" dirty="0">
                           <a:solidFill>
                             <a:schemeClr val="tx1"/>
                           </a:solidFill>
@@ -6579,7 +6838,7 @@
                     </a:p>
                     <a:p>
                       <a:r>
-                        <a:rPr lang="hu-HU" baseline="0" dirty="0" smtClean="0">
+                        <a:rPr lang="hu-HU" baseline="0" dirty="0">
                           <a:solidFill>
                             <a:schemeClr val="tx1"/>
                           </a:solidFill>
@@ -6589,7 +6848,7 @@
                     </a:p>
                     <a:p>
                       <a:r>
-                        <a:rPr lang="hu-HU" baseline="0" dirty="0" smtClean="0">
+                        <a:rPr lang="hu-HU" baseline="0" dirty="0">
                           <a:solidFill>
                             <a:schemeClr val="tx1"/>
                           </a:solidFill>
@@ -6617,18 +6876,13 @@
                     <a:lstStyle/>
                     <a:p>
                       <a:r>
-                        <a:rPr lang="hu-HU" dirty="0" smtClean="0">
+                        <a:rPr lang="hu-HU" dirty="0">
                           <a:solidFill>
                             <a:schemeClr val="tx1"/>
                           </a:solidFill>
                         </a:rPr>
                         <a:t>Dél-Korea</a:t>
                       </a:r>
-                      <a:endParaRPr lang="hu-HU" dirty="0">
-                        <a:solidFill>
-                          <a:schemeClr val="tx1"/>
-                        </a:solidFill>
-                      </a:endParaRPr>
                     </a:p>
                   </a:txBody>
                   <a:tcPr>
@@ -6643,18 +6897,13 @@
                     <a:lstStyle/>
                     <a:p>
                       <a:r>
-                        <a:rPr lang="hu-HU" dirty="0" smtClean="0">
+                        <a:rPr lang="hu-HU" dirty="0">
                           <a:solidFill>
                             <a:schemeClr val="tx1"/>
                           </a:solidFill>
                         </a:rPr>
                         <a:t>EU</a:t>
                       </a:r>
-                      <a:endParaRPr lang="hu-HU" dirty="0">
-                        <a:solidFill>
-                          <a:schemeClr val="tx1"/>
-                        </a:solidFill>
-                      </a:endParaRPr>
                     </a:p>
                   </a:txBody>
                   <a:tcPr>
@@ -6669,18 +6918,13 @@
                     <a:lstStyle/>
                     <a:p>
                       <a:r>
-                        <a:rPr lang="hu-HU" dirty="0" smtClean="0">
+                        <a:rPr lang="hu-HU" dirty="0">
                           <a:solidFill>
                             <a:schemeClr val="tx1"/>
                           </a:solidFill>
                         </a:rPr>
                         <a:t>Kína</a:t>
                       </a:r>
-                      <a:endParaRPr lang="hu-HU" dirty="0">
-                        <a:solidFill>
-                          <a:schemeClr val="tx1"/>
-                        </a:solidFill>
-                      </a:endParaRPr>
                     </a:p>
                   </a:txBody>
                   <a:tcPr>
@@ -6695,18 +6939,13 @@
                     <a:lstStyle/>
                     <a:p>
                       <a:r>
-                        <a:rPr lang="hu-HU" dirty="0" smtClean="0">
+                        <a:rPr lang="hu-HU" dirty="0">
                           <a:solidFill>
                             <a:schemeClr val="tx1"/>
                           </a:solidFill>
                         </a:rPr>
                         <a:t>Szingapúr</a:t>
                       </a:r>
-                      <a:endParaRPr lang="hu-HU" dirty="0">
-                        <a:solidFill>
-                          <a:schemeClr val="tx1"/>
-                        </a:solidFill>
-                      </a:endParaRPr>
                     </a:p>
                   </a:txBody>
                   <a:tcPr>
@@ -6721,7 +6960,7 @@
                     <a:lstStyle/>
                     <a:p>
                       <a:r>
-                        <a:rPr lang="hu-HU" dirty="0" smtClean="0">
+                        <a:rPr lang="hu-HU" dirty="0">
                           <a:solidFill>
                             <a:schemeClr val="tx1"/>
                           </a:solidFill>
@@ -6731,7 +6970,7 @@
                     </a:p>
                     <a:p>
                       <a:r>
-                        <a:rPr lang="hu-HU" dirty="0" smtClean="0">
+                        <a:rPr lang="hu-HU" dirty="0">
                           <a:solidFill>
                             <a:schemeClr val="tx1"/>
                           </a:solidFill>
@@ -6741,18 +6980,13 @@
                     </a:p>
                     <a:p>
                       <a:r>
-                        <a:rPr lang="hu-HU" dirty="0" smtClean="0">
+                        <a:rPr lang="hu-HU" dirty="0">
                           <a:solidFill>
                             <a:schemeClr val="tx1"/>
                           </a:solidFill>
                         </a:rPr>
                         <a:t>Makaó</a:t>
                       </a:r>
-                      <a:endParaRPr lang="hu-HU" dirty="0">
-                        <a:solidFill>
-                          <a:schemeClr val="tx1"/>
-                        </a:solidFill>
-                      </a:endParaRPr>
                     </a:p>
                   </a:txBody>
                   <a:tcPr>
@@ -6767,18 +7001,13 @@
                     <a:lstStyle/>
                     <a:p>
                       <a:r>
-                        <a:rPr lang="hu-HU" dirty="0" smtClean="0">
+                        <a:rPr lang="hu-HU" dirty="0">
                           <a:solidFill>
                             <a:schemeClr val="tx1"/>
                           </a:solidFill>
                         </a:rPr>
                         <a:t>Dél-Afrikai Köztársaság</a:t>
                       </a:r>
-                      <a:endParaRPr lang="hu-HU" dirty="0">
-                        <a:solidFill>
-                          <a:schemeClr val="tx1"/>
-                        </a:solidFill>
-                      </a:endParaRPr>
                     </a:p>
                   </a:txBody>
                   <a:tcPr>
@@ -6793,18 +7022,13 @@
                     <a:lstStyle/>
                     <a:p>
                       <a:r>
-                        <a:rPr lang="hu-HU" dirty="0" smtClean="0">
+                        <a:rPr lang="hu-HU" dirty="0">
                           <a:solidFill>
                             <a:schemeClr val="tx1"/>
                           </a:solidFill>
                         </a:rPr>
                         <a:t>Oroszország</a:t>
                       </a:r>
-                      <a:endParaRPr lang="hu-HU" dirty="0">
-                        <a:solidFill>
-                          <a:schemeClr val="tx1"/>
-                        </a:solidFill>
-                      </a:endParaRPr>
                     </a:p>
                   </a:txBody>
                   <a:tcPr>
@@ -6833,13 +7057,6 @@
   <p:clrMapOvr>
     <a:masterClrMapping/>
   </p:clrMapOvr>
-  <p:timing>
-    <p:tnLst>
-      <p:par>
-        <p:cTn id="1" dur="indefinite" restart="never" nodeType="tmRoot"/>
-      </p:par>
-    </p:tnLst>
-  </p:timing>
 </p:sld>
 </file>
 
@@ -6876,10 +7093,9 @@
           <a:lstStyle/>
           <a:p>
             <a:r>
-              <a:rPr lang="hu-HU" dirty="0" smtClean="0"/>
+              <a:rPr lang="hu-HU" dirty="0"/>
               <a:t>Bemutató</a:t>
             </a:r>
-            <a:endParaRPr lang="hu-HU" dirty="0"/>
           </a:p>
         </p:txBody>
       </p:sp>
@@ -7038,10 +7254,9 @@
           <a:lstStyle/>
           <a:p>
             <a:r>
-              <a:rPr lang="hu-HU" sz="4800" dirty="0" smtClean="0"/>
+              <a:rPr lang="hu-HU" sz="4800" dirty="0"/>
               <a:t>Képek a játékról</a:t>
             </a:r>
-            <a:endParaRPr lang="hu-HU" sz="4800" dirty="0"/>
           </a:p>
         </p:txBody>
       </p:sp>
@@ -7066,10 +7281,9 @@
           <a:lstStyle/>
           <a:p>
             <a:r>
-              <a:rPr lang="hu-HU" dirty="0" smtClean="0"/>
+              <a:rPr lang="hu-HU" dirty="0"/>
               <a:t> </a:t>
             </a:r>
-            <a:endParaRPr lang="hu-HU" dirty="0"/>
           </a:p>
         </p:txBody>
       </p:sp>
@@ -7155,6 +7369,147 @@
           </a:extLst>
         </p:spPr>
       </p:pic>
+      <p:pic>
+        <p:nvPicPr>
+          <p:cNvPr id="5" name="Picture 4" descr="Everything we know about World of Warcraft: Wrath of the Lich King Classic  | PC Gamer">
+            <a:extLst>
+              <a:ext uri="{FF2B5EF4-FFF2-40B4-BE49-F238E27FC236}">
+                <a16:creationId xmlns:a16="http://schemas.microsoft.com/office/drawing/2014/main" id="{3CF26978-097C-4696-AF41-54FC3B16FA17}"/>
+              </a:ext>
+            </a:extLst>
+          </p:cNvPr>
+          <p:cNvPicPr>
+            <a:picLocks noChangeAspect="1" noChangeArrowheads="1"/>
+          </p:cNvPicPr>
+          <p:nvPr/>
+        </p:nvPicPr>
+        <p:blipFill>
+          <a:blip r:embed="rId4" cstate="print">
+            <a:extLst>
+              <a:ext uri="{28A0092B-C50C-407E-A947-70E740481C1C}">
+                <a14:useLocalDpi xmlns:a14="http://schemas.microsoft.com/office/drawing/2010/main" val="0"/>
+              </a:ext>
+            </a:extLst>
+          </a:blip>
+          <a:srcRect/>
+          <a:stretch>
+            <a:fillRect/>
+          </a:stretch>
+        </p:blipFill>
+        <p:spPr bwMode="auto">
+          <a:xfrm>
+            <a:off x="4527749" y="4737616"/>
+            <a:ext cx="3125853" cy="1758292"/>
+          </a:xfrm>
+          <a:prstGeom prst="rect">
+            <a:avLst/>
+          </a:prstGeom>
+          <a:noFill/>
+          <a:extLst>
+            <a:ext uri="{909E8E84-426E-40DD-AFC4-6F175D3DCCD1}">
+              <a14:hiddenFill xmlns:a14="http://schemas.microsoft.com/office/drawing/2010/main">
+                <a:solidFill>
+                  <a:srgbClr val="FFFFFF"/>
+                </a:solidFill>
+              </a14:hiddenFill>
+            </a:ext>
+          </a:extLst>
+        </p:spPr>
+      </p:pic>
+      <p:pic>
+        <p:nvPicPr>
+          <p:cNvPr id="1030" name="Picture 6" descr="Activision Blizzard and NetEase torpedo World of Warcraft mobile game">
+            <a:extLst>
+              <a:ext uri="{FF2B5EF4-FFF2-40B4-BE49-F238E27FC236}">
+                <a16:creationId xmlns:a16="http://schemas.microsoft.com/office/drawing/2014/main" id="{D3C12AED-82CD-4420-A4EF-F577CB3A58FF}"/>
+              </a:ext>
+            </a:extLst>
+          </p:cNvPr>
+          <p:cNvPicPr>
+            <a:picLocks noChangeAspect="1" noChangeArrowheads="1"/>
+          </p:cNvPicPr>
+          <p:nvPr/>
+        </p:nvPicPr>
+        <p:blipFill>
+          <a:blip r:embed="rId5" cstate="print">
+            <a:extLst>
+              <a:ext uri="{28A0092B-C50C-407E-A947-70E740481C1C}">
+                <a14:useLocalDpi xmlns:a14="http://schemas.microsoft.com/office/drawing/2010/main" val="0"/>
+              </a:ext>
+            </a:extLst>
+          </a:blip>
+          <a:srcRect/>
+          <a:stretch>
+            <a:fillRect/>
+          </a:stretch>
+        </p:blipFill>
+        <p:spPr bwMode="auto">
+          <a:xfrm>
+            <a:off x="381000" y="4737435"/>
+            <a:ext cx="3388895" cy="1906253"/>
+          </a:xfrm>
+          <a:prstGeom prst="rect">
+            <a:avLst/>
+          </a:prstGeom>
+          <a:noFill/>
+          <a:extLst>
+            <a:ext uri="{909E8E84-426E-40DD-AFC4-6F175D3DCCD1}">
+              <a14:hiddenFill xmlns:a14="http://schemas.microsoft.com/office/drawing/2010/main">
+                <a:solidFill>
+                  <a:srgbClr val="FFFFFF"/>
+                </a:solidFill>
+              </a14:hiddenFill>
+            </a:ext>
+          </a:extLst>
+        </p:spPr>
+      </p:pic>
+      <p:pic>
+        <p:nvPicPr>
+          <p:cNvPr id="1032" name="Picture 8" descr="Blizzard skal ha kansellert World of Warcraft-mobilspill - Tek.no">
+            <a:extLst>
+              <a:ext uri="{FF2B5EF4-FFF2-40B4-BE49-F238E27FC236}">
+                <a16:creationId xmlns:a16="http://schemas.microsoft.com/office/drawing/2014/main" id="{E61EA018-CA52-4CC3-BE41-F14D48D865AC}"/>
+              </a:ext>
+            </a:extLst>
+          </p:cNvPr>
+          <p:cNvPicPr>
+            <a:picLocks noChangeAspect="1" noChangeArrowheads="1"/>
+          </p:cNvPicPr>
+          <p:nvPr/>
+        </p:nvPicPr>
+        <p:blipFill>
+          <a:blip r:embed="rId6" cstate="print">
+            <a:extLst>
+              <a:ext uri="{28A0092B-C50C-407E-A947-70E740481C1C}">
+                <a14:useLocalDpi xmlns:a14="http://schemas.microsoft.com/office/drawing/2010/main" val="0"/>
+              </a:ext>
+            </a:extLst>
+          </a:blip>
+          <a:srcRect/>
+          <a:stretch>
+            <a:fillRect/>
+          </a:stretch>
+        </p:blipFill>
+        <p:spPr bwMode="auto">
+          <a:xfrm>
+            <a:off x="8017042" y="4737434"/>
+            <a:ext cx="3388895" cy="1906253"/>
+          </a:xfrm>
+          <a:prstGeom prst="rect">
+            <a:avLst/>
+          </a:prstGeom>
+          <a:noFill/>
+          <a:extLst>
+            <a:ext uri="{909E8E84-426E-40DD-AFC4-6F175D3DCCD1}">
+              <a14:hiddenFill xmlns:a14="http://schemas.microsoft.com/office/drawing/2010/main">
+                <a:solidFill>
+                  <a:srgbClr val="FFFFFF"/>
+                </a:solidFill>
+              </a14:hiddenFill>
+            </a:ext>
+          </a:extLst>
+        </p:spPr>
+      </p:pic>
     </p:spTree>
     <p:extLst>
       <p:ext uri="{BB962C8B-B14F-4D97-AF65-F5344CB8AC3E}">
@@ -7165,13 +7520,6 @@
   <p:clrMapOvr>
     <a:masterClrMapping/>
   </p:clrMapOvr>
-  <p:timing>
-    <p:tnLst>
-      <p:par>
-        <p:cTn id="1" dur="indefinite" restart="never" nodeType="tmRoot"/>
-      </p:par>
-    </p:tnLst>
-  </p:timing>
 </p:sld>
 </file>
 
@@ -7208,10 +7556,9 @@
           <a:lstStyle/>
           <a:p>
             <a:r>
-              <a:rPr lang="hu-HU" dirty="0" smtClean="0"/>
+              <a:rPr lang="hu-HU" dirty="0"/>
               <a:t>A játékról</a:t>
             </a:r>
-            <a:endParaRPr lang="hu-HU" dirty="0"/>
           </a:p>
         </p:txBody>
       </p:sp>
@@ -7231,62 +7578,62 @@
           <a:lstStyle/>
           <a:p>
             <a:r>
-              <a:rPr lang="hu-HU" sz="2800" dirty="0" smtClean="0"/>
+              <a:rPr lang="hu-HU" sz="2800" dirty="0"/>
               <a:t>A játékos 12 osztály és számos faj közül választhat</a:t>
             </a:r>
           </a:p>
           <a:p>
             <a:r>
-              <a:rPr lang="hu-HU" sz="2800" dirty="0" smtClean="0"/>
+              <a:rPr lang="hu-HU" sz="2800" dirty="0"/>
               <a:t>A világban rengeteg más faj található, amelyekkel tudunk </a:t>
             </a:r>
             <a:r>
-              <a:rPr lang="hu-HU" sz="2800" dirty="0" err="1" smtClean="0"/>
+              <a:rPr lang="hu-HU" sz="2800" dirty="0" err="1"/>
               <a:t>interaktálni</a:t>
             </a:r>
-            <a:endParaRPr lang="hu-HU" sz="2800" dirty="0" smtClean="0"/>
-          </a:p>
-          <a:p>
-            <a:r>
-              <a:rPr lang="hu-HU" sz="2800" dirty="0" smtClean="0"/>
+            <a:endParaRPr lang="hu-HU" sz="2800" dirty="0"/>
+          </a:p>
+          <a:p>
+            <a:r>
+              <a:rPr lang="hu-HU" sz="2800" dirty="0"/>
               <a:t>MMORPG-</a:t>
             </a:r>
             <a:r>
-              <a:rPr lang="hu-HU" sz="2800" dirty="0" err="1" smtClean="0"/>
+              <a:rPr lang="hu-HU" sz="2800" dirty="0" err="1"/>
               <a:t>hez</a:t>
             </a:r>
             <a:r>
-              <a:rPr lang="hu-HU" sz="2800" dirty="0" smtClean="0"/>
+              <a:rPr lang="hu-HU" sz="2800" dirty="0"/>
               <a:t> hűen a világban szabadon mozoghatunk és fejleszthetjük karakterünket amilyen módon szeretnénk</a:t>
             </a:r>
           </a:p>
           <a:p>
             <a:r>
-              <a:rPr lang="hu-HU" sz="2800" dirty="0" smtClean="0"/>
+              <a:rPr lang="hu-HU" sz="2800" dirty="0"/>
               <a:t>Módok: </a:t>
             </a:r>
             <a:r>
-              <a:rPr lang="hu-HU" sz="2800" dirty="0" err="1" smtClean="0"/>
+              <a:rPr lang="hu-HU" sz="2800" dirty="0" err="1"/>
               <a:t>PvP</a:t>
             </a:r>
             <a:r>
-              <a:rPr lang="hu-HU" sz="2800" dirty="0" smtClean="0"/>
+              <a:rPr lang="hu-HU" sz="2800" dirty="0"/>
               <a:t>, </a:t>
             </a:r>
             <a:r>
-              <a:rPr lang="hu-HU" sz="2800" dirty="0" err="1" smtClean="0"/>
+              <a:rPr lang="hu-HU" sz="2800" dirty="0" err="1"/>
               <a:t>PvE</a:t>
             </a:r>
             <a:r>
-              <a:rPr lang="hu-HU" sz="2800" dirty="0" smtClean="0"/>
+              <a:rPr lang="hu-HU" sz="2800" dirty="0"/>
               <a:t>, </a:t>
             </a:r>
             <a:r>
-              <a:rPr lang="hu-HU" sz="2800" dirty="0" err="1" smtClean="0"/>
+              <a:rPr lang="hu-HU" sz="2800" dirty="0" err="1"/>
               <a:t>questezés</a:t>
             </a:r>
             <a:r>
-              <a:rPr lang="hu-HU" sz="2800" dirty="0" smtClean="0"/>
+              <a:rPr lang="hu-HU" sz="2800" dirty="0"/>
               <a:t>, gyűjtögetés, felfedezés</a:t>
             </a:r>
           </a:p>
@@ -7308,13 +7655,6 @@
   <p:clrMapOvr>
     <a:masterClrMapping/>
   </p:clrMapOvr>
-  <p:timing>
-    <p:tnLst>
-      <p:par>
-        <p:cTn id="1" dur="indefinite" restart="never" nodeType="tmRoot"/>
-      </p:par>
-    </p:tnLst>
-  </p:timing>
 </p:sld>
 </file>
 
@@ -7353,10 +7693,9 @@
           <a:lstStyle/>
           <a:p>
             <a:r>
-              <a:rPr lang="hu-HU" sz="4800" dirty="0" smtClean="0"/>
+              <a:rPr lang="hu-HU" sz="4800" dirty="0"/>
               <a:t>Érdekességek</a:t>
             </a:r>
-            <a:endParaRPr lang="hu-HU" sz="4800" dirty="0"/>
           </a:p>
         </p:txBody>
       </p:sp>
@@ -7378,22 +7717,21 @@
           <a:lstStyle/>
           <a:p>
             <a:r>
-              <a:rPr lang="hu-HU" sz="3200" dirty="0" smtClean="0"/>
+              <a:rPr lang="hu-HU" sz="3200" dirty="0"/>
               <a:t>5,6 millió előfizetővel rendelkezik, más forrás szerint 12 millióval</a:t>
             </a:r>
           </a:p>
           <a:p>
             <a:r>
-              <a:rPr lang="hu-HU" sz="3200" dirty="0" smtClean="0"/>
+              <a:rPr lang="hu-HU" sz="3200" dirty="0"/>
               <a:t>2014-ben elérték a százmillió regisztrált játékost</a:t>
             </a:r>
           </a:p>
           <a:p>
             <a:r>
-              <a:rPr lang="hu-HU" sz="3200" dirty="0" smtClean="0"/>
+              <a:rPr lang="hu-HU" sz="3200" dirty="0"/>
               <a:t>2017-ig 9 billió dollár jövedelem származott a játékból</a:t>
             </a:r>
-            <a:endParaRPr lang="hu-HU" sz="3200" dirty="0"/>
           </a:p>
         </p:txBody>
       </p:sp>
@@ -7407,13 +7745,6 @@
   <p:clrMapOvr>
     <a:masterClrMapping/>
   </p:clrMapOvr>
-  <p:timing>
-    <p:tnLst>
-      <p:par>
-        <p:cTn id="1" dur="indefinite" restart="never" nodeType="tmRoot"/>
-      </p:par>
-    </p:tnLst>
-  </p:timing>
 </p:sld>
 </file>
 
@@ -7441,52 +7772,171 @@
             <a:spLocks noGrp="1"/>
           </p:cNvSpPr>
           <p:nvPr>
-            <p:ph type="ctrTitle"/>
+            <p:ph type="title"/>
+          </p:nvPr>
+        </p:nvSpPr>
+        <p:spPr/>
+        <p:txBody>
+          <a:bodyPr>
+            <a:normAutofit/>
+          </a:bodyPr>
+          <a:lstStyle/>
+          <a:p>
+            <a:r>
+              <a:rPr lang="hu-HU" sz="4800" dirty="0"/>
+              <a:t>Kevin része </a:t>
+            </a:r>
+          </a:p>
+        </p:txBody>
+      </p:sp>
+      <p:sp>
+        <p:nvSpPr>
+          <p:cNvPr id="3" name="Tartalom helye 2"/>
+          <p:cNvSpPr>
+            <a:spLocks noGrp="1"/>
+          </p:cNvSpPr>
+          <p:nvPr>
+            <p:ph idx="1"/>
           </p:nvPr>
         </p:nvSpPr>
         <p:spPr>
           <a:xfrm>
-            <a:off x="1283145" y="2828238"/>
-            <a:ext cx="9440034" cy="1828801"/>
+            <a:off x="913795" y="1732449"/>
+            <a:ext cx="10353762" cy="4058751"/>
           </a:xfrm>
         </p:spPr>
         <p:txBody>
           <a:bodyPr>
-            <a:noAutofit/>
+            <a:normAutofit/>
           </a:bodyPr>
           <a:lstStyle/>
           <a:p>
             <a:r>
-              <a:rPr lang="hu-HU" sz="8000" dirty="0" smtClean="0"/>
-              <a:t>Köszönjük a figyelmet!</a:t>
-            </a:r>
-            <a:endParaRPr lang="hu-HU" sz="8000" dirty="0"/>
-          </a:p>
-        </p:txBody>
-      </p:sp>
-      <p:sp>
-        <p:nvSpPr>
-          <p:cNvPr id="3" name="Alcím 2"/>
-          <p:cNvSpPr>
-            <a:spLocks noGrp="1"/>
-          </p:cNvSpPr>
-          <p:nvPr>
-            <p:ph type="subTitle" idx="1"/>
-          </p:nvPr>
-        </p:nvSpPr>
-        <p:spPr/>
-        <p:txBody>
-          <a:bodyPr/>
-          <a:lstStyle/>
-          <a:p>
-            <a:endParaRPr lang="hu-HU" dirty="0"/>
+              <a:rPr lang="hu-HU" sz="3200" dirty="0"/>
+              <a:t>Esport oldal elkészítése</a:t>
+            </a:r>
+          </a:p>
+          <a:p>
+            <a:r>
+              <a:rPr lang="hu-HU" sz="3200" dirty="0"/>
+              <a:t>Videók, hátterek elkészítése, képek kigyűjtése</a:t>
+            </a:r>
+          </a:p>
+          <a:p>
+            <a:r>
+              <a:rPr lang="hu-HU" sz="3200" dirty="0"/>
+              <a:t>Betűtípus, színek kiválasztása</a:t>
+            </a:r>
+          </a:p>
+          <a:p>
+            <a:r>
+              <a:rPr lang="hu-HU" sz="3200" dirty="0"/>
+              <a:t>Prezentáció elkészítése</a:t>
+            </a:r>
+          </a:p>
+          <a:p>
+            <a:endParaRPr lang="hu-HU" sz="3200" dirty="0"/>
           </a:p>
         </p:txBody>
       </p:sp>
     </p:spTree>
     <p:extLst>
       <p:ext uri="{BB962C8B-B14F-4D97-AF65-F5344CB8AC3E}">
-        <p14:creationId xmlns:p14="http://schemas.microsoft.com/office/powerpoint/2010/main" val="3486881900"/>
+        <p14:creationId xmlns:p14="http://schemas.microsoft.com/office/powerpoint/2010/main" val="2484172075"/>
+      </p:ext>
+    </p:extLst>
+  </p:cSld>
+  <p:clrMapOvr>
+    <a:masterClrMapping/>
+  </p:clrMapOvr>
+</p:sld>
+</file>
+
+<file path=ppt/slides/slide9.xml><?xml version="1.0" encoding="utf-8"?>
+<p:sld xmlns:a="http://schemas.openxmlformats.org/drawingml/2006/main" xmlns:r="http://schemas.openxmlformats.org/officeDocument/2006/relationships" xmlns:p="http://schemas.openxmlformats.org/presentationml/2006/main">
+  <p:cSld>
+    <p:spTree>
+      <p:nvGrpSpPr>
+        <p:cNvPr id="1" name=""/>
+        <p:cNvGrpSpPr/>
+        <p:nvPr/>
+      </p:nvGrpSpPr>
+      <p:grpSpPr>
+        <a:xfrm>
+          <a:off x="0" y="0"/>
+          <a:ext cx="0" cy="0"/>
+          <a:chOff x="0" y="0"/>
+          <a:chExt cx="0" cy="0"/>
+        </a:xfrm>
+      </p:grpSpPr>
+      <p:sp>
+        <p:nvSpPr>
+          <p:cNvPr id="2" name="Cím 1"/>
+          <p:cNvSpPr>
+            <a:spLocks noGrp="1"/>
+          </p:cNvSpPr>
+          <p:nvPr>
+            <p:ph type="title"/>
+          </p:nvPr>
+        </p:nvSpPr>
+        <p:spPr/>
+        <p:txBody>
+          <a:bodyPr>
+            <a:normAutofit/>
+          </a:bodyPr>
+          <a:lstStyle/>
+          <a:p>
+            <a:r>
+              <a:rPr lang="hu-HU" sz="4800" dirty="0"/>
+              <a:t>Péter része </a:t>
+            </a:r>
+          </a:p>
+        </p:txBody>
+      </p:sp>
+      <p:sp>
+        <p:nvSpPr>
+          <p:cNvPr id="3" name="Tartalom helye 2"/>
+          <p:cNvSpPr>
+            <a:spLocks noGrp="1"/>
+          </p:cNvSpPr>
+          <p:nvPr>
+            <p:ph idx="1"/>
+          </p:nvPr>
+        </p:nvSpPr>
+        <p:spPr/>
+        <p:txBody>
+          <a:bodyPr>
+            <a:normAutofit/>
+          </a:bodyPr>
+          <a:lstStyle/>
+          <a:p>
+            <a:r>
+              <a:rPr lang="hu-HU" sz="3200" dirty="0"/>
+              <a:t>Játékról oldal elkészítése</a:t>
+            </a:r>
+          </a:p>
+          <a:p>
+            <a:r>
+              <a:rPr lang="hu-HU" sz="3200" dirty="0" err="1"/>
+              <a:t>Navbar</a:t>
+            </a:r>
+            <a:r>
+              <a:rPr lang="hu-HU" sz="3200" dirty="0"/>
+              <a:t> javítás</a:t>
+            </a:r>
+          </a:p>
+          <a:p>
+            <a:r>
+              <a:rPr lang="hu-HU" sz="3200" dirty="0"/>
+              <a:t>Prezentáció elkészítése</a:t>
+            </a:r>
+          </a:p>
+        </p:txBody>
+      </p:sp>
+    </p:spTree>
+    <p:extLst>
+      <p:ext uri="{BB962C8B-B14F-4D97-AF65-F5344CB8AC3E}">
+        <p14:creationId xmlns:p14="http://schemas.microsoft.com/office/powerpoint/2010/main" val="1348672003"/>
       </p:ext>
     </p:extLst>
   </p:cSld>
